--- a/TERS2 Suivi.pptx
+++ b/TERS2 Suivi.pptx
@@ -106,6 +106,11 @@
       </a:defRPr>
     </a:lvl9pPr>
   </p:defaultTextStyle>
+  <p:extLst>
+    <p:ext uri="{EFAFB233-063F-42B5-8137-9DF3F51BA10A}">
+      <p15:sldGuideLst xmlns:p15="http://schemas.microsoft.com/office/powerpoint/2012/main"/>
+    </p:ext>
+  </p:extLst>
 </p:presentation>
 </file>
 
@@ -6071,8 +6076,8 @@
         </p:nvSpPr>
         <p:spPr>
           <a:xfrm>
-            <a:off x="1751012" y="4657077"/>
-            <a:ext cx="4276926" cy="923330"/>
+            <a:off x="2143532" y="4657077"/>
+            <a:ext cx="2528025" cy="923330"/>
           </a:xfrm>
           <a:prstGeom prst="rect">
             <a:avLst/>
@@ -6126,8 +6131,8 @@
         </p:nvSpPr>
         <p:spPr>
           <a:xfrm>
-            <a:off x="6164064" y="4657077"/>
-            <a:ext cx="4276926" cy="923330"/>
+            <a:off x="7649593" y="4657077"/>
+            <a:ext cx="2269722" cy="923330"/>
           </a:xfrm>
           <a:prstGeom prst="rect">
             <a:avLst/>
@@ -6196,7 +6201,7 @@
         </p:blipFill>
         <p:spPr bwMode="auto">
           <a:xfrm>
-            <a:off x="3339483" y="301101"/>
+            <a:off x="3407545" y="273392"/>
             <a:ext cx="5376909" cy="2688455"/>
           </a:xfrm>
           <a:prstGeom prst="rect">
@@ -6262,12 +6267,14 @@
         </p:nvSpPr>
         <p:spPr>
           <a:xfrm>
-            <a:off x="1141411" y="616259"/>
-            <a:ext cx="3549121" cy="1371600"/>
+            <a:off x="2030507" y="1011381"/>
+            <a:ext cx="1832698" cy="438459"/>
           </a:xfrm>
         </p:spPr>
         <p:txBody>
-          <a:bodyPr/>
+          <a:bodyPr>
+            <a:normAutofit fontScale="90000"/>
+          </a:bodyPr>
           <a:lstStyle/>
           <a:p>
             <a:r>
@@ -6295,7 +6302,7 @@
         </p:nvSpPr>
         <p:spPr>
           <a:xfrm>
-            <a:off x="1141411" y="2075155"/>
+            <a:off x="1172296" y="1570977"/>
             <a:ext cx="3549121" cy="3716046"/>
           </a:xfrm>
         </p:spPr>
@@ -6387,8 +6394,8 @@
         </p:blipFill>
         <p:spPr bwMode="auto">
           <a:xfrm>
-            <a:off x="5103813" y="1549400"/>
-            <a:ext cx="5943600" cy="3302000"/>
+            <a:off x="5051413" y="1570977"/>
+            <a:ext cx="6688883" cy="3716046"/>
           </a:xfrm>
           <a:prstGeom prst="rect">
             <a:avLst/>
@@ -6437,39 +6444,6 @@
       </p:grpSpPr>
       <p:sp>
         <p:nvSpPr>
-          <p:cNvPr id="4" name="Titre 3">
-            <a:extLst>
-              <a:ext uri="{FF2B5EF4-FFF2-40B4-BE49-F238E27FC236}">
-                <a16:creationId xmlns:a16="http://schemas.microsoft.com/office/drawing/2014/main" id="{54D743B1-0550-4697-A98E-DB393D9A4DEF}"/>
-              </a:ext>
-            </a:extLst>
-          </p:cNvPr>
-          <p:cNvSpPr>
-            <a:spLocks noGrp="1"/>
-          </p:cNvSpPr>
-          <p:nvPr>
-            <p:ph type="title"/>
-          </p:nvPr>
-        </p:nvSpPr>
-        <p:spPr>
-          <a:xfrm>
-            <a:off x="1141411" y="616259"/>
-            <a:ext cx="3549121" cy="1371600"/>
-          </a:xfrm>
-        </p:spPr>
-        <p:txBody>
-          <a:bodyPr/>
-          <a:lstStyle/>
-          <a:p>
-            <a:r>
-              <a:rPr lang="fr-FR" dirty="0"/>
-              <a:t>Avancement</a:t>
-            </a:r>
-          </a:p>
-        </p:txBody>
-      </p:sp>
-      <p:sp>
-        <p:nvSpPr>
           <p:cNvPr id="6" name="Espace réservé du texte 5">
             <a:extLst>
               <a:ext uri="{FF2B5EF4-FFF2-40B4-BE49-F238E27FC236}">
@@ -6486,7 +6460,7 @@
         </p:nvSpPr>
         <p:spPr>
           <a:xfrm>
-            <a:off x="1141411" y="2075155"/>
+            <a:off x="1030575" y="1457563"/>
             <a:ext cx="3549121" cy="3716046"/>
           </a:xfrm>
         </p:spPr>
@@ -6607,7 +6581,7 @@
         <p:spPr bwMode="auto">
           <a:xfrm>
             <a:off x="5103813" y="1457563"/>
-            <a:ext cx="5943600" cy="3485673"/>
+            <a:ext cx="6460114" cy="3788587"/>
           </a:xfrm>
           <a:prstGeom prst="rect">
             <a:avLst/>
@@ -6624,6 +6598,141 @@
           </a:extLst>
         </p:spPr>
       </p:pic>
+      <p:sp>
+        <p:nvSpPr>
+          <p:cNvPr id="5" name="Titre 3">
+            <a:extLst>
+              <a:ext uri="{FF2B5EF4-FFF2-40B4-BE49-F238E27FC236}">
+                <a16:creationId xmlns:a16="http://schemas.microsoft.com/office/drawing/2014/main" id="{4B754A7E-FA60-4085-8B48-CE0F8B40F148}"/>
+              </a:ext>
+            </a:extLst>
+          </p:cNvPr>
+          <p:cNvSpPr txBox="1">
+            <a:spLocks/>
+          </p:cNvSpPr>
+          <p:nvPr/>
+        </p:nvSpPr>
+        <p:spPr>
+          <a:xfrm>
+            <a:off x="1728352" y="928254"/>
+            <a:ext cx="2153566" cy="446182"/>
+          </a:xfrm>
+          <a:prstGeom prst="rect">
+            <a:avLst/>
+          </a:prstGeom>
+        </p:spPr>
+        <p:txBody>
+          <a:bodyPr vert="horz" lIns="91440" tIns="45720" rIns="91440" bIns="45720" rtlCol="0" anchor="b">
+            <a:normAutofit fontScale="90000"/>
+          </a:bodyPr>
+          <a:lstStyle>
+            <a:lvl1pPr algn="l" defTabSz="457200" rtl="0" eaLnBrk="1" latinLnBrk="0" hangingPunct="1">
+              <a:spcBef>
+                <a:spcPct val="0"/>
+              </a:spcBef>
+              <a:buNone/>
+              <a:defRPr sz="2400" b="0" kern="1200" cap="all">
+                <a:ln w="3175" cmpd="sng">
+                  <a:noFill/>
+                </a:ln>
+                <a:gradFill flip="none" rotWithShape="1">
+                  <a:gsLst>
+                    <a:gs pos="0">
+                      <a:schemeClr val="tx1"/>
+                    </a:gs>
+                    <a:gs pos="100000">
+                      <a:schemeClr val="tx1">
+                        <a:lumMod val="65000"/>
+                      </a:schemeClr>
+                    </a:gs>
+                  </a:gsLst>
+                  <a:lin ang="5580000" scaled="0"/>
+                  <a:tileRect/>
+                </a:gradFill>
+                <a:effectLst>
+                  <a:glow rad="38100">
+                    <a:schemeClr val="bg1">
+                      <a:lumMod val="65000"/>
+                      <a:lumOff val="35000"/>
+                      <a:alpha val="40000"/>
+                    </a:schemeClr>
+                  </a:glow>
+                  <a:outerShdw blurRad="28575" dist="38100" dir="14040000" algn="tl" rotWithShape="0">
+                    <a:srgbClr val="000000">
+                      <a:alpha val="25000"/>
+                    </a:srgbClr>
+                  </a:outerShdw>
+                </a:effectLst>
+                <a:latin typeface="+mj-lt"/>
+                <a:ea typeface="+mj-ea"/>
+                <a:cs typeface="+mj-cs"/>
+              </a:defRPr>
+            </a:lvl1pPr>
+            <a:lvl2pPr eaLnBrk="1" hangingPunct="1">
+              <a:defRPr>
+                <a:solidFill>
+                  <a:schemeClr val="tx2"/>
+                </a:solidFill>
+              </a:defRPr>
+            </a:lvl2pPr>
+            <a:lvl3pPr eaLnBrk="1" hangingPunct="1">
+              <a:defRPr>
+                <a:solidFill>
+                  <a:schemeClr val="tx2"/>
+                </a:solidFill>
+              </a:defRPr>
+            </a:lvl3pPr>
+            <a:lvl4pPr eaLnBrk="1" hangingPunct="1">
+              <a:defRPr>
+                <a:solidFill>
+                  <a:schemeClr val="tx2"/>
+                </a:solidFill>
+              </a:defRPr>
+            </a:lvl4pPr>
+            <a:lvl5pPr eaLnBrk="1" hangingPunct="1">
+              <a:defRPr>
+                <a:solidFill>
+                  <a:schemeClr val="tx2"/>
+                </a:solidFill>
+              </a:defRPr>
+            </a:lvl5pPr>
+            <a:lvl6pPr eaLnBrk="1" hangingPunct="1">
+              <a:defRPr>
+                <a:solidFill>
+                  <a:schemeClr val="tx2"/>
+                </a:solidFill>
+              </a:defRPr>
+            </a:lvl6pPr>
+            <a:lvl7pPr eaLnBrk="1" hangingPunct="1">
+              <a:defRPr>
+                <a:solidFill>
+                  <a:schemeClr val="tx2"/>
+                </a:solidFill>
+              </a:defRPr>
+            </a:lvl7pPr>
+            <a:lvl8pPr eaLnBrk="1" hangingPunct="1">
+              <a:defRPr>
+                <a:solidFill>
+                  <a:schemeClr val="tx2"/>
+                </a:solidFill>
+              </a:defRPr>
+            </a:lvl8pPr>
+            <a:lvl9pPr eaLnBrk="1" hangingPunct="1">
+              <a:defRPr>
+                <a:solidFill>
+                  <a:schemeClr val="tx2"/>
+                </a:solidFill>
+              </a:defRPr>
+            </a:lvl9pPr>
+          </a:lstStyle>
+          <a:p>
+            <a:r>
+              <a:rPr lang="fr-FR" dirty="0"/>
+              <a:t>AVANCEMENT</a:t>
+            </a:r>
+          </a:p>
+        </p:txBody>
+      </p:sp>
     </p:spTree>
     <p:extLst>
       <p:ext uri="{BB962C8B-B14F-4D97-AF65-F5344CB8AC3E}">

--- a/TERS2 Suivi.pptx
+++ b/TERS2 Suivi.pptx
@@ -6041,23 +6041,7 @@
           <a:p>
             <a:r>
               <a:rPr lang="fr-FR" dirty="0"/>
-              <a:t>Génération de moniteur </a:t>
-            </a:r>
-            <a:r>
-              <a:rPr lang="fr-FR" dirty="0" err="1"/>
-              <a:t>Scade</a:t>
-            </a:r>
-            <a:r>
-              <a:rPr lang="fr-FR" dirty="0"/>
-              <a:t> à partir de scénario de </a:t>
-            </a:r>
-            <a:r>
-              <a:rPr lang="fr-FR" dirty="0" err="1"/>
-              <a:t>safety</a:t>
-            </a:r>
-            <a:r>
-              <a:rPr lang="fr-FR" dirty="0"/>
-              <a:t> pour le véhicule autonome</a:t>
+              <a:t>Génération de moniteur SCADE à partir de scénario de Safety pour le véhicule autonome</a:t>
             </a:r>
           </a:p>
         </p:txBody>
@@ -6338,7 +6322,7 @@
             </a:pPr>
             <a:r>
               <a:rPr lang="fr-FR" dirty="0"/>
-              <a:t>Utilisation de l’environnement SCADE pour modéliser les scénarios généré par CCSL</a:t>
+              <a:t>Utilisation de l’environnement SCADE pour modéliser les scénarios générés par CCSL</a:t>
             </a:r>
           </a:p>
           <a:p>

--- a/TERS2 Suivi.pptx
+++ b/TERS2 Suivi.pptx
@@ -6005,10 +6005,7 @@
           <a:lstStyle/>
           <a:p>
             <a:r>
-              <a:rPr lang="fr-FR" dirty="0">
-                <a:latin typeface="Times New Roman" panose="02020603050405020304" pitchFamily="18" charset="0"/>
-                <a:cs typeface="Times New Roman" panose="02020603050405020304" pitchFamily="18" charset="0"/>
-              </a:rPr>
+              <a:rPr lang="fr-FR" dirty="0"/>
               <a:t>TER 2021</a:t>
             </a:r>
           </a:p>
@@ -6043,38 +6040,23 @@
           <a:lstStyle/>
           <a:p>
             <a:r>
-              <a:rPr lang="fr-FR" dirty="0">
-                <a:latin typeface="Times New Roman" panose="02020603050405020304" pitchFamily="18" charset="0"/>
-                <a:cs typeface="Times New Roman" panose="02020603050405020304" pitchFamily="18" charset="0"/>
-              </a:rPr>
+              <a:rPr lang="fr-FR" dirty="0"/>
               <a:t>Génération de moniteur </a:t>
             </a:r>
             <a:r>
-              <a:rPr lang="fr-FR" dirty="0" err="1">
-                <a:latin typeface="Times New Roman" panose="02020603050405020304" pitchFamily="18" charset="0"/>
-                <a:cs typeface="Times New Roman" panose="02020603050405020304" pitchFamily="18" charset="0"/>
-              </a:rPr>
+              <a:rPr lang="fr-FR" dirty="0" err="1"/>
               <a:t>Scade</a:t>
             </a:r>
             <a:r>
-              <a:rPr lang="fr-FR" dirty="0">
-                <a:latin typeface="Times New Roman" panose="02020603050405020304" pitchFamily="18" charset="0"/>
-                <a:cs typeface="Times New Roman" panose="02020603050405020304" pitchFamily="18" charset="0"/>
-              </a:rPr>
+              <a:rPr lang="fr-FR" dirty="0"/>
               <a:t> à partir de scénario de </a:t>
             </a:r>
             <a:r>
-              <a:rPr lang="fr-FR" dirty="0" err="1">
-                <a:latin typeface="Times New Roman" panose="02020603050405020304" pitchFamily="18" charset="0"/>
-                <a:cs typeface="Times New Roman" panose="02020603050405020304" pitchFamily="18" charset="0"/>
-              </a:rPr>
+              <a:rPr lang="fr-FR" dirty="0" err="1"/>
               <a:t>safety</a:t>
             </a:r>
             <a:r>
-              <a:rPr lang="fr-FR" dirty="0">
-                <a:latin typeface="Times New Roman" panose="02020603050405020304" pitchFamily="18" charset="0"/>
-                <a:cs typeface="Times New Roman" panose="02020603050405020304" pitchFamily="18" charset="0"/>
-              </a:rPr>
+              <a:rPr lang="fr-FR" dirty="0"/>
               <a:t> pour le véhicule autonome</a:t>
             </a:r>
           </a:p>
@@ -6109,10 +6091,7 @@
           <a:lstStyle/>
           <a:p>
             <a:r>
-              <a:rPr lang="fr-FR" dirty="0">
-                <a:latin typeface="Times New Roman" panose="02020603050405020304" pitchFamily="18" charset="0"/>
-                <a:cs typeface="Times New Roman" panose="02020603050405020304" pitchFamily="18" charset="0"/>
-              </a:rPr>
+              <a:rPr lang="fr-FR" dirty="0"/>
               <a:t>Etudiants:</a:t>
             </a:r>
           </a:p>
@@ -6122,10 +6101,7 @@
               <a:buChar char="-"/>
             </a:pPr>
             <a:r>
-              <a:rPr lang="fr-FR" dirty="0">
-                <a:latin typeface="Times New Roman" panose="02020603050405020304" pitchFamily="18" charset="0"/>
-                <a:cs typeface="Times New Roman" panose="02020603050405020304" pitchFamily="18" charset="0"/>
-              </a:rPr>
+              <a:rPr lang="fr-FR" dirty="0"/>
               <a:t>MARINO Samuele</a:t>
             </a:r>
           </a:p>
@@ -6135,10 +6111,7 @@
               <a:buChar char="-"/>
             </a:pPr>
             <a:r>
-              <a:rPr lang="fr-FR" dirty="0">
-                <a:latin typeface="Times New Roman" panose="02020603050405020304" pitchFamily="18" charset="0"/>
-                <a:cs typeface="Times New Roman" panose="02020603050405020304" pitchFamily="18" charset="0"/>
-              </a:rPr>
+              <a:rPr lang="fr-FR" dirty="0"/>
               <a:t>LAUBRY Vincent</a:t>
             </a:r>
           </a:p>
@@ -6173,10 +6146,7 @@
           <a:lstStyle/>
           <a:p>
             <a:r>
-              <a:rPr lang="fr-FR" dirty="0">
-                <a:latin typeface="Times New Roman" panose="02020603050405020304" pitchFamily="18" charset="0"/>
-                <a:cs typeface="Times New Roman" panose="02020603050405020304" pitchFamily="18" charset="0"/>
-              </a:rPr>
+              <a:rPr lang="fr-FR" dirty="0"/>
               <a:t>Encadrants:</a:t>
             </a:r>
           </a:p>
@@ -6186,10 +6156,7 @@
               <a:buChar char="-"/>
             </a:pPr>
             <a:r>
-              <a:rPr lang="fr-FR" dirty="0">
-                <a:latin typeface="Times New Roman" panose="02020603050405020304" pitchFamily="18" charset="0"/>
-                <a:cs typeface="Times New Roman" panose="02020603050405020304" pitchFamily="18" charset="0"/>
-              </a:rPr>
+              <a:rPr lang="fr-FR" dirty="0"/>
               <a:t>MALLET Frédéric</a:t>
             </a:r>
           </a:p>
@@ -6199,10 +6166,7 @@
               <a:buChar char="-"/>
             </a:pPr>
             <a:r>
-              <a:rPr lang="fr-FR" dirty="0">
-                <a:latin typeface="Times New Roman" panose="02020603050405020304" pitchFamily="18" charset="0"/>
-                <a:cs typeface="Times New Roman" panose="02020603050405020304" pitchFamily="18" charset="0"/>
-              </a:rPr>
+              <a:rPr lang="fr-FR" dirty="0"/>
               <a:t>BOUALI Amar</a:t>
             </a:r>
           </a:p>
@@ -6314,10 +6278,7 @@
           <a:lstStyle/>
           <a:p>
             <a:r>
-              <a:rPr lang="fr-FR" dirty="0">
-                <a:latin typeface="Times New Roman" panose="02020603050405020304" pitchFamily="18" charset="0"/>
-                <a:cs typeface="Times New Roman" panose="02020603050405020304" pitchFamily="18" charset="0"/>
-              </a:rPr>
+              <a:rPr lang="fr-FR" dirty="0"/>
               <a:t>Contexte</a:t>
             </a:r>
           </a:p>
@@ -6347,7 +6308,7 @@
         </p:spPr>
         <p:txBody>
           <a:bodyPr>
-            <a:normAutofit/>
+            <a:normAutofit fontScale="92500" lnSpcReduction="10000"/>
           </a:bodyPr>
           <a:lstStyle/>
           <a:p>
@@ -6356,11 +6317,8 @@
               <a:buChar char="•"/>
             </a:pPr>
             <a:r>
-              <a:rPr lang="fr-FR" sz="1400" dirty="0">
-                <a:latin typeface="Times New Roman" panose="02020603050405020304" pitchFamily="18" charset="0"/>
-                <a:cs typeface="Times New Roman" panose="02020603050405020304" pitchFamily="18" charset="0"/>
-              </a:rPr>
-              <a:t>En partant des scenarios de sureté établis par les ingénieurs Renault, réussir a les coder, les implémenter en logiciels de systèmes embarqués et les simuler</a:t>
+              <a:rPr lang="fr-FR" dirty="0"/>
+              <a:t>En partant des scenarios de sureté établis par les ingénieurs Renault, réussir a les coder, les implémenter en logiciels de systèmes embarqués et de les simuler</a:t>
             </a:r>
           </a:p>
           <a:p>
@@ -6369,10 +6327,7 @@
               <a:buChar char="•"/>
             </a:pPr>
             <a:r>
-              <a:rPr lang="fr-FR" sz="1400" dirty="0">
-                <a:latin typeface="Times New Roman" panose="02020603050405020304" pitchFamily="18" charset="0"/>
-                <a:cs typeface="Times New Roman" panose="02020603050405020304" pitchFamily="18" charset="0"/>
-              </a:rPr>
+              <a:rPr lang="fr-FR" dirty="0"/>
               <a:t>Utilisation du langage CCSL pour coder les scénarios</a:t>
             </a:r>
           </a:p>
@@ -6382,11 +6337,8 @@
               <a:buChar char="•"/>
             </a:pPr>
             <a:r>
-              <a:rPr lang="fr-FR" sz="1400" dirty="0">
-                <a:latin typeface="Times New Roman" panose="02020603050405020304" pitchFamily="18" charset="0"/>
-                <a:cs typeface="Times New Roman" panose="02020603050405020304" pitchFamily="18" charset="0"/>
-              </a:rPr>
-              <a:t>Utilisation de l’environnement SCADE pour modéliser les scénarios générés par CCSL</a:t>
+              <a:rPr lang="fr-FR" dirty="0"/>
+              <a:t>Utilisation de l’environnement SCADE pour modéliser les scénarios généré par CCSL</a:t>
             </a:r>
           </a:p>
           <a:p>
@@ -6395,10 +6347,7 @@
               <a:buChar char="•"/>
             </a:pPr>
             <a:r>
-              <a:rPr lang="fr-FR" sz="1400" dirty="0">
-                <a:latin typeface="Times New Roman" panose="02020603050405020304" pitchFamily="18" charset="0"/>
-                <a:cs typeface="Times New Roman" panose="02020603050405020304" pitchFamily="18" charset="0"/>
-              </a:rPr>
+              <a:rPr lang="fr-FR" dirty="0"/>
               <a:t>Simuler les modèles par LGSVL Simulator</a:t>
             </a:r>
           </a:p>
@@ -6408,11 +6357,8 @@
               <a:buChar char="•"/>
             </a:pPr>
             <a:r>
-              <a:rPr lang="fr-FR" sz="1400" dirty="0">
-                <a:latin typeface="Times New Roman" panose="02020603050405020304" pitchFamily="18" charset="0"/>
-                <a:cs typeface="Times New Roman" panose="02020603050405020304" pitchFamily="18" charset="0"/>
-              </a:rPr>
-              <a:t>A priori, rendre le process le plus automatique possible</a:t>
+              <a:rPr lang="fr-FR" dirty="0"/>
+              <a:t>A priori, rendre le procès le plus automatique possible</a:t>
             </a:r>
           </a:p>
         </p:txBody>
@@ -6514,13 +6460,13 @@
         </p:nvSpPr>
         <p:spPr>
           <a:xfrm>
-            <a:off x="628073" y="1570977"/>
-            <a:ext cx="4189079" cy="3716046"/>
+            <a:off x="1030575" y="1457563"/>
+            <a:ext cx="3549121" cy="3716046"/>
           </a:xfrm>
         </p:spPr>
         <p:txBody>
           <a:bodyPr>
-            <a:noAutofit/>
+            <a:normAutofit fontScale="92500" lnSpcReduction="10000"/>
           </a:bodyPr>
           <a:lstStyle/>
           <a:p>
@@ -6529,23 +6475,19 @@
               <a:buChar char="•"/>
             </a:pPr>
             <a:r>
-              <a:rPr lang="fr-FR" sz="1400" dirty="0">
-                <a:latin typeface="Times New Roman" panose="02020603050405020304" pitchFamily="18" charset="0"/>
-                <a:cs typeface="Times New Roman" panose="02020603050405020304" pitchFamily="18" charset="0"/>
-              </a:rPr>
-              <a:t>Convertir des scénarios décrits via Excel par les ingénieurs Renault, en </a:t>
-            </a:r>
-            <a:r>
-              <a:rPr lang="fr-FR" sz="1400" dirty="0" err="1">
-                <a:latin typeface="Times New Roman" panose="02020603050405020304" pitchFamily="18" charset="0"/>
-                <a:cs typeface="Times New Roman" panose="02020603050405020304" pitchFamily="18" charset="0"/>
-              </a:rPr>
-              <a:t>ccsl</a:t>
-            </a:r>
-            <a:endParaRPr lang="fr-FR" sz="1400" dirty="0">
-              <a:latin typeface="Times New Roman" panose="02020603050405020304" pitchFamily="18" charset="0"/>
-              <a:cs typeface="Times New Roman" panose="02020603050405020304" pitchFamily="18" charset="0"/>
-            </a:endParaRPr>
+              <a:rPr lang="fr-FR" dirty="0"/>
+              <a:t>Donnée des versions CCSL aux scénarios décrits en Excel par les ingénieurs Renault</a:t>
+            </a:r>
+          </a:p>
+          <a:p>
+            <a:pPr marL="742950" lvl="1" indent="-285750">
+              <a:buFont typeface="Arial" panose="020B0604020202020204" pitchFamily="34" charset="0"/>
+              <a:buChar char="•"/>
+            </a:pPr>
+            <a:r>
+              <a:rPr lang="fr-FR" dirty="0"/>
+              <a:t>En attente de vérification, notre encadrant nous informera toute suite après cette réunion de suivi</a:t>
+            </a:r>
           </a:p>
           <a:p>
             <a:pPr marL="285750" indent="-285750">
@@ -6553,11 +6495,26 @@
               <a:buChar char="•"/>
             </a:pPr>
             <a:r>
-              <a:rPr lang="fr-FR" sz="1400" dirty="0">
-                <a:latin typeface="Times New Roman" panose="02020603050405020304" pitchFamily="18" charset="0"/>
-                <a:cs typeface="Times New Roman" panose="02020603050405020304" pitchFamily="18" charset="0"/>
-              </a:rPr>
-              <a:t>En attente de vérification, notre encadrant nous informera toute suite après cette réunion de suivi</a:t>
+              <a:rPr lang="fr-FR" dirty="0"/>
+              <a:t>Implémentation operateurs qui serviront à la création des scénarios en SCADE</a:t>
+            </a:r>
+          </a:p>
+          <a:p>
+            <a:pPr marL="742950" lvl="1" indent="-285750">
+              <a:buFont typeface="Arial" panose="020B0604020202020204" pitchFamily="34" charset="0"/>
+              <a:buChar char="•"/>
+            </a:pPr>
+            <a:r>
+              <a:rPr lang="fr-FR" dirty="0"/>
+              <a:t>Limites rencontrés par SCADE </a:t>
+            </a:r>
+            <a:r>
+              <a:rPr lang="fr-FR" dirty="0" err="1"/>
+              <a:t>Student</a:t>
+            </a:r>
+            <a:r>
+              <a:rPr lang="fr-FR" dirty="0"/>
+              <a:t>, en attente d’avoir une version plus complète</a:t>
             </a:r>
           </a:p>
           <a:p>
@@ -6566,11 +6523,8 @@
               <a:buChar char="•"/>
             </a:pPr>
             <a:r>
-              <a:rPr lang="fr-FR" sz="1400" dirty="0">
-                <a:latin typeface="Times New Roman" panose="02020603050405020304" pitchFamily="18" charset="0"/>
-                <a:cs typeface="Times New Roman" panose="02020603050405020304" pitchFamily="18" charset="0"/>
-              </a:rPr>
-              <a:t>Implémentation des operateurs qui serviront à la création des scénarios en SCADE</a:t>
+              <a:rPr lang="fr-FR" dirty="0"/>
+              <a:t>Prochainement:</a:t>
             </a:r>
           </a:p>
           <a:p>
@@ -6579,38 +6533,8 @@
               <a:buChar char="•"/>
             </a:pPr>
             <a:r>
-              <a:rPr lang="fr-FR" sz="1400" dirty="0">
-                <a:latin typeface="Times New Roman" panose="02020603050405020304" pitchFamily="18" charset="0"/>
-                <a:cs typeface="Times New Roman" panose="02020603050405020304" pitchFamily="18" charset="0"/>
-              </a:rPr>
-              <a:t>Limites rencontrés par SCADE </a:t>
-            </a:r>
-            <a:r>
-              <a:rPr lang="fr-FR" sz="1400" dirty="0" err="1">
-                <a:latin typeface="Times New Roman" panose="02020603050405020304" pitchFamily="18" charset="0"/>
-                <a:cs typeface="Times New Roman" panose="02020603050405020304" pitchFamily="18" charset="0"/>
-              </a:rPr>
-              <a:t>Student</a:t>
-            </a:r>
-            <a:r>
-              <a:rPr lang="fr-FR" sz="1400" dirty="0">
-                <a:latin typeface="Times New Roman" panose="02020603050405020304" pitchFamily="18" charset="0"/>
-                <a:cs typeface="Times New Roman" panose="02020603050405020304" pitchFamily="18" charset="0"/>
-              </a:rPr>
-              <a:t>, en attente d’avoir une version plus complète</a:t>
-            </a:r>
-          </a:p>
-          <a:p>
-            <a:pPr marL="285750" indent="-285750">
-              <a:buFont typeface="Arial" panose="020B0604020202020204" pitchFamily="34" charset="0"/>
-              <a:buChar char="•"/>
-            </a:pPr>
-            <a:r>
-              <a:rPr lang="fr-FR" sz="1400" dirty="0">
-                <a:latin typeface="Times New Roman" panose="02020603050405020304" pitchFamily="18" charset="0"/>
-                <a:cs typeface="Times New Roman" panose="02020603050405020304" pitchFamily="18" charset="0"/>
-              </a:rPr>
-              <a:t>Prochainement:</a:t>
+              <a:rPr lang="fr-FR" dirty="0"/>
+              <a:t>Totalités des scénarios dans SCADE</a:t>
             </a:r>
           </a:p>
           <a:p>
@@ -6619,23 +6543,7 @@
               <a:buChar char="•"/>
             </a:pPr>
             <a:r>
-              <a:rPr lang="fr-FR" sz="1400" dirty="0">
-                <a:latin typeface="Times New Roman" panose="02020603050405020304" pitchFamily="18" charset="0"/>
-                <a:cs typeface="Times New Roman" panose="02020603050405020304" pitchFamily="18" charset="0"/>
-              </a:rPr>
-              <a:t>Totalités des scénarios dans SCADE</a:t>
-            </a:r>
-          </a:p>
-          <a:p>
-            <a:pPr marL="742950" lvl="1" indent="-285750">
-              <a:buFont typeface="Arial" panose="020B0604020202020204" pitchFamily="34" charset="0"/>
-              <a:buChar char="•"/>
-            </a:pPr>
-            <a:r>
-              <a:rPr lang="fr-FR" sz="1400" dirty="0">
-                <a:latin typeface="Times New Roman" panose="02020603050405020304" pitchFamily="18" charset="0"/>
-                <a:cs typeface="Times New Roman" panose="02020603050405020304" pitchFamily="18" charset="0"/>
-              </a:rPr>
+              <a:rPr lang="fr-FR" dirty="0"/>
               <a:t>Interface visuelle donnée par le simulateur, qui simulera les scénarios générés</a:t>
             </a:r>
           </a:p>
@@ -6715,7 +6623,7 @@
         </p:spPr>
         <p:txBody>
           <a:bodyPr vert="horz" lIns="91440" tIns="45720" rIns="91440" bIns="45720" rtlCol="0" anchor="b">
-            <a:normAutofit fontScale="97500"/>
+            <a:normAutofit fontScale="90000"/>
           </a:bodyPr>
           <a:lstStyle>
             <a:lvl1pPr algn="l" defTabSz="457200" rtl="0" eaLnBrk="1" latinLnBrk="0" hangingPunct="1">
@@ -6819,10 +6727,7 @@
           </a:lstStyle>
           <a:p>
             <a:r>
-              <a:rPr lang="fr-FR" dirty="0">
-                <a:latin typeface="Times New Roman" panose="02020603050405020304" pitchFamily="18" charset="0"/>
-                <a:cs typeface="Times New Roman" panose="02020603050405020304" pitchFamily="18" charset="0"/>
-              </a:rPr>
+              <a:rPr lang="fr-FR" dirty="0"/>
               <a:t>AVANCEMENT</a:t>
             </a:r>
           </a:p>

--- a/TERS2 Suivi.pptx
+++ b/TERS2 Suivi.pptx
@@ -6005,7 +6005,10 @@
           <a:lstStyle/>
           <a:p>
             <a:r>
-              <a:rPr lang="fr-FR" dirty="0"/>
+              <a:rPr lang="fr-FR" dirty="0">
+                <a:latin typeface="Times New Roman" panose="02020603050405020304" pitchFamily="18" charset="0"/>
+                <a:cs typeface="Times New Roman" panose="02020603050405020304" pitchFamily="18" charset="0"/>
+              </a:rPr>
               <a:t>TER 2021</a:t>
             </a:r>
           </a:p>
@@ -6040,23 +6043,38 @@
           <a:lstStyle/>
           <a:p>
             <a:r>
-              <a:rPr lang="fr-FR" dirty="0"/>
+              <a:rPr lang="fr-FR" dirty="0">
+                <a:latin typeface="Times New Roman" panose="02020603050405020304" pitchFamily="18" charset="0"/>
+                <a:cs typeface="Times New Roman" panose="02020603050405020304" pitchFamily="18" charset="0"/>
+              </a:rPr>
               <a:t>Génération de moniteur </a:t>
             </a:r>
             <a:r>
-              <a:rPr lang="fr-FR" dirty="0" err="1"/>
+              <a:rPr lang="fr-FR" dirty="0" err="1">
+                <a:latin typeface="Times New Roman" panose="02020603050405020304" pitchFamily="18" charset="0"/>
+                <a:cs typeface="Times New Roman" panose="02020603050405020304" pitchFamily="18" charset="0"/>
+              </a:rPr>
               <a:t>Scade</a:t>
             </a:r>
             <a:r>
-              <a:rPr lang="fr-FR" dirty="0"/>
+              <a:rPr lang="fr-FR" dirty="0">
+                <a:latin typeface="Times New Roman" panose="02020603050405020304" pitchFamily="18" charset="0"/>
+                <a:cs typeface="Times New Roman" panose="02020603050405020304" pitchFamily="18" charset="0"/>
+              </a:rPr>
               <a:t> à partir de scénario de </a:t>
             </a:r>
             <a:r>
-              <a:rPr lang="fr-FR" dirty="0" err="1"/>
+              <a:rPr lang="fr-FR" dirty="0" err="1">
+                <a:latin typeface="Times New Roman" panose="02020603050405020304" pitchFamily="18" charset="0"/>
+                <a:cs typeface="Times New Roman" panose="02020603050405020304" pitchFamily="18" charset="0"/>
+              </a:rPr>
               <a:t>safety</a:t>
             </a:r>
             <a:r>
-              <a:rPr lang="fr-FR" dirty="0"/>
+              <a:rPr lang="fr-FR" dirty="0">
+                <a:latin typeface="Times New Roman" panose="02020603050405020304" pitchFamily="18" charset="0"/>
+                <a:cs typeface="Times New Roman" panose="02020603050405020304" pitchFamily="18" charset="0"/>
+              </a:rPr>
               <a:t> pour le véhicule autonome</a:t>
             </a:r>
           </a:p>
@@ -6091,7 +6109,10 @@
           <a:lstStyle/>
           <a:p>
             <a:r>
-              <a:rPr lang="fr-FR" dirty="0"/>
+              <a:rPr lang="fr-FR" dirty="0">
+                <a:latin typeface="Times New Roman" panose="02020603050405020304" pitchFamily="18" charset="0"/>
+                <a:cs typeface="Times New Roman" panose="02020603050405020304" pitchFamily="18" charset="0"/>
+              </a:rPr>
               <a:t>Etudiants:</a:t>
             </a:r>
           </a:p>
@@ -6101,7 +6122,10 @@
               <a:buChar char="-"/>
             </a:pPr>
             <a:r>
-              <a:rPr lang="fr-FR" dirty="0"/>
+              <a:rPr lang="fr-FR" dirty="0">
+                <a:latin typeface="Times New Roman" panose="02020603050405020304" pitchFamily="18" charset="0"/>
+                <a:cs typeface="Times New Roman" panose="02020603050405020304" pitchFamily="18" charset="0"/>
+              </a:rPr>
               <a:t>MARINO Samuele</a:t>
             </a:r>
           </a:p>
@@ -6111,7 +6135,10 @@
               <a:buChar char="-"/>
             </a:pPr>
             <a:r>
-              <a:rPr lang="fr-FR" dirty="0"/>
+              <a:rPr lang="fr-FR" dirty="0">
+                <a:latin typeface="Times New Roman" panose="02020603050405020304" pitchFamily="18" charset="0"/>
+                <a:cs typeface="Times New Roman" panose="02020603050405020304" pitchFamily="18" charset="0"/>
+              </a:rPr>
               <a:t>LAUBRY Vincent</a:t>
             </a:r>
           </a:p>
@@ -6146,7 +6173,10 @@
           <a:lstStyle/>
           <a:p>
             <a:r>
-              <a:rPr lang="fr-FR" dirty="0"/>
+              <a:rPr lang="fr-FR" dirty="0">
+                <a:latin typeface="Times New Roman" panose="02020603050405020304" pitchFamily="18" charset="0"/>
+                <a:cs typeface="Times New Roman" panose="02020603050405020304" pitchFamily="18" charset="0"/>
+              </a:rPr>
               <a:t>Encadrants:</a:t>
             </a:r>
           </a:p>
@@ -6156,7 +6186,10 @@
               <a:buChar char="-"/>
             </a:pPr>
             <a:r>
-              <a:rPr lang="fr-FR" dirty="0"/>
+              <a:rPr lang="fr-FR" dirty="0">
+                <a:latin typeface="Times New Roman" panose="02020603050405020304" pitchFamily="18" charset="0"/>
+                <a:cs typeface="Times New Roman" panose="02020603050405020304" pitchFamily="18" charset="0"/>
+              </a:rPr>
               <a:t>MALLET Frédéric</a:t>
             </a:r>
           </a:p>
@@ -6166,7 +6199,10 @@
               <a:buChar char="-"/>
             </a:pPr>
             <a:r>
-              <a:rPr lang="fr-FR" dirty="0"/>
+              <a:rPr lang="fr-FR" dirty="0">
+                <a:latin typeface="Times New Roman" panose="02020603050405020304" pitchFamily="18" charset="0"/>
+                <a:cs typeface="Times New Roman" panose="02020603050405020304" pitchFamily="18" charset="0"/>
+              </a:rPr>
               <a:t>BOUALI Amar</a:t>
             </a:r>
           </a:p>
@@ -6278,7 +6314,10 @@
           <a:lstStyle/>
           <a:p>
             <a:r>
-              <a:rPr lang="fr-FR" dirty="0"/>
+              <a:rPr lang="fr-FR" dirty="0">
+                <a:latin typeface="Times New Roman" panose="02020603050405020304" pitchFamily="18" charset="0"/>
+                <a:cs typeface="Times New Roman" panose="02020603050405020304" pitchFamily="18" charset="0"/>
+              </a:rPr>
               <a:t>Contexte</a:t>
             </a:r>
           </a:p>
@@ -6308,7 +6347,7 @@
         </p:spPr>
         <p:txBody>
           <a:bodyPr>
-            <a:normAutofit fontScale="92500" lnSpcReduction="10000"/>
+            <a:normAutofit/>
           </a:bodyPr>
           <a:lstStyle/>
           <a:p>
@@ -6317,8 +6356,11 @@
               <a:buChar char="•"/>
             </a:pPr>
             <a:r>
-              <a:rPr lang="fr-FR" dirty="0"/>
-              <a:t>En partant des scenarios de sureté établis par les ingénieurs Renault, réussir a les coder, les implémenter en logiciels de systèmes embarqués et de les simuler</a:t>
+              <a:rPr lang="fr-FR" sz="1400" dirty="0">
+                <a:latin typeface="Times New Roman" panose="02020603050405020304" pitchFamily="18" charset="0"/>
+                <a:cs typeface="Times New Roman" panose="02020603050405020304" pitchFamily="18" charset="0"/>
+              </a:rPr>
+              <a:t>En partant des scenarios de sureté établis par les ingénieurs Renault, réussir a les coder, les implémenter en logiciels de systèmes embarqués et les simuler</a:t>
             </a:r>
           </a:p>
           <a:p>
@@ -6327,7 +6369,10 @@
               <a:buChar char="•"/>
             </a:pPr>
             <a:r>
-              <a:rPr lang="fr-FR" dirty="0"/>
+              <a:rPr lang="fr-FR" sz="1400" dirty="0">
+                <a:latin typeface="Times New Roman" panose="02020603050405020304" pitchFamily="18" charset="0"/>
+                <a:cs typeface="Times New Roman" panose="02020603050405020304" pitchFamily="18" charset="0"/>
+              </a:rPr>
               <a:t>Utilisation du langage CCSL pour coder les scénarios</a:t>
             </a:r>
           </a:p>
@@ -6337,8 +6382,11 @@
               <a:buChar char="•"/>
             </a:pPr>
             <a:r>
-              <a:rPr lang="fr-FR" dirty="0"/>
-              <a:t>Utilisation de l’environnement SCADE pour modéliser les scénarios généré par CCSL</a:t>
+              <a:rPr lang="fr-FR" sz="1400" dirty="0">
+                <a:latin typeface="Times New Roman" panose="02020603050405020304" pitchFamily="18" charset="0"/>
+                <a:cs typeface="Times New Roman" panose="02020603050405020304" pitchFamily="18" charset="0"/>
+              </a:rPr>
+              <a:t>Utilisation de l’environnement SCADE pour modéliser les scénarios générés par CCSL</a:t>
             </a:r>
           </a:p>
           <a:p>
@@ -6347,7 +6395,10 @@
               <a:buChar char="•"/>
             </a:pPr>
             <a:r>
-              <a:rPr lang="fr-FR" dirty="0"/>
+              <a:rPr lang="fr-FR" sz="1400" dirty="0">
+                <a:latin typeface="Times New Roman" panose="02020603050405020304" pitchFamily="18" charset="0"/>
+                <a:cs typeface="Times New Roman" panose="02020603050405020304" pitchFamily="18" charset="0"/>
+              </a:rPr>
               <a:t>Simuler les modèles par LGSVL Simulator</a:t>
             </a:r>
           </a:p>
@@ -6357,8 +6408,11 @@
               <a:buChar char="•"/>
             </a:pPr>
             <a:r>
-              <a:rPr lang="fr-FR" dirty="0"/>
-              <a:t>A priori, rendre le procès le plus automatique possible</a:t>
+              <a:rPr lang="fr-FR" sz="1400" dirty="0">
+                <a:latin typeface="Times New Roman" panose="02020603050405020304" pitchFamily="18" charset="0"/>
+                <a:cs typeface="Times New Roman" panose="02020603050405020304" pitchFamily="18" charset="0"/>
+              </a:rPr>
+              <a:t>A priori, rendre le process le plus automatique possible</a:t>
             </a:r>
           </a:p>
         </p:txBody>
@@ -6460,13 +6514,13 @@
         </p:nvSpPr>
         <p:spPr>
           <a:xfrm>
-            <a:off x="1030575" y="1457563"/>
-            <a:ext cx="3549121" cy="3716046"/>
+            <a:off x="628073" y="1570977"/>
+            <a:ext cx="4189079" cy="3716046"/>
           </a:xfrm>
         </p:spPr>
         <p:txBody>
           <a:bodyPr>
-            <a:normAutofit fontScale="92500" lnSpcReduction="10000"/>
+            <a:noAutofit/>
           </a:bodyPr>
           <a:lstStyle/>
           <a:p>
@@ -6475,8 +6529,48 @@
               <a:buChar char="•"/>
             </a:pPr>
             <a:r>
-              <a:rPr lang="fr-FR" dirty="0"/>
-              <a:t>Donnée des versions CCSL aux scénarios décrits en Excel par les ingénieurs Renault</a:t>
+              <a:rPr lang="fr-FR" sz="1400" dirty="0">
+                <a:latin typeface="Times New Roman" panose="02020603050405020304" pitchFamily="18" charset="0"/>
+                <a:cs typeface="Times New Roman" panose="02020603050405020304" pitchFamily="18" charset="0"/>
+              </a:rPr>
+              <a:t>Convertir des scénarios décrits via Excel par les ingénieurs Renault, en </a:t>
+            </a:r>
+            <a:r>
+              <a:rPr lang="fr-FR" sz="1400" dirty="0" err="1">
+                <a:latin typeface="Times New Roman" panose="02020603050405020304" pitchFamily="18" charset="0"/>
+                <a:cs typeface="Times New Roman" panose="02020603050405020304" pitchFamily="18" charset="0"/>
+              </a:rPr>
+              <a:t>ccsl</a:t>
+            </a:r>
+            <a:endParaRPr lang="fr-FR" sz="1400" dirty="0">
+              <a:latin typeface="Times New Roman" panose="02020603050405020304" pitchFamily="18" charset="0"/>
+              <a:cs typeface="Times New Roman" panose="02020603050405020304" pitchFamily="18" charset="0"/>
+            </a:endParaRPr>
+          </a:p>
+          <a:p>
+            <a:pPr marL="285750" indent="-285750">
+              <a:buFont typeface="Arial" panose="020B0604020202020204" pitchFamily="34" charset="0"/>
+              <a:buChar char="•"/>
+            </a:pPr>
+            <a:r>
+              <a:rPr lang="fr-FR" sz="1400" dirty="0">
+                <a:latin typeface="Times New Roman" panose="02020603050405020304" pitchFamily="18" charset="0"/>
+                <a:cs typeface="Times New Roman" panose="02020603050405020304" pitchFamily="18" charset="0"/>
+              </a:rPr>
+              <a:t>En attente de vérification, notre encadrant nous informera toute suite après cette réunion de suivi</a:t>
+            </a:r>
+          </a:p>
+          <a:p>
+            <a:pPr marL="285750" indent="-285750">
+              <a:buFont typeface="Arial" panose="020B0604020202020204" pitchFamily="34" charset="0"/>
+              <a:buChar char="•"/>
+            </a:pPr>
+            <a:r>
+              <a:rPr lang="fr-FR" sz="1400" dirty="0">
+                <a:latin typeface="Times New Roman" panose="02020603050405020304" pitchFamily="18" charset="0"/>
+                <a:cs typeface="Times New Roman" panose="02020603050405020304" pitchFamily="18" charset="0"/>
+              </a:rPr>
+              <a:t>Implémentation des operateurs qui serviront à la création des scénarios en SCADE</a:t>
             </a:r>
           </a:p>
           <a:p>
@@ -6485,8 +6579,25 @@
               <a:buChar char="•"/>
             </a:pPr>
             <a:r>
-              <a:rPr lang="fr-FR" dirty="0"/>
-              <a:t>En attente de vérification, notre encadrant nous informera toute suite après cette réunion de suivi</a:t>
+              <a:rPr lang="fr-FR" sz="1400" dirty="0">
+                <a:latin typeface="Times New Roman" panose="02020603050405020304" pitchFamily="18" charset="0"/>
+                <a:cs typeface="Times New Roman" panose="02020603050405020304" pitchFamily="18" charset="0"/>
+              </a:rPr>
+              <a:t>Limites rencontrés par SCADE </a:t>
+            </a:r>
+            <a:r>
+              <a:rPr lang="fr-FR" sz="1400" dirty="0" err="1">
+                <a:latin typeface="Times New Roman" panose="02020603050405020304" pitchFamily="18" charset="0"/>
+                <a:cs typeface="Times New Roman" panose="02020603050405020304" pitchFamily="18" charset="0"/>
+              </a:rPr>
+              <a:t>Student</a:t>
+            </a:r>
+            <a:r>
+              <a:rPr lang="fr-FR" sz="1400" dirty="0">
+                <a:latin typeface="Times New Roman" panose="02020603050405020304" pitchFamily="18" charset="0"/>
+                <a:cs typeface="Times New Roman" panose="02020603050405020304" pitchFamily="18" charset="0"/>
+              </a:rPr>
+              <a:t>, en attente d’avoir une version plus complète</a:t>
             </a:r>
           </a:p>
           <a:p>
@@ -6495,8 +6606,11 @@
               <a:buChar char="•"/>
             </a:pPr>
             <a:r>
-              <a:rPr lang="fr-FR" dirty="0"/>
-              <a:t>Implémentation operateurs qui serviront à la création des scénarios en SCADE</a:t>
+              <a:rPr lang="fr-FR" sz="1400" dirty="0">
+                <a:latin typeface="Times New Roman" panose="02020603050405020304" pitchFamily="18" charset="0"/>
+                <a:cs typeface="Times New Roman" panose="02020603050405020304" pitchFamily="18" charset="0"/>
+              </a:rPr>
+              <a:t>Prochainement:</a:t>
             </a:r>
           </a:p>
           <a:p>
@@ -6505,26 +6619,11 @@
               <a:buChar char="•"/>
             </a:pPr>
             <a:r>
-              <a:rPr lang="fr-FR" dirty="0"/>
-              <a:t>Limites rencontrés par SCADE </a:t>
-            </a:r>
-            <a:r>
-              <a:rPr lang="fr-FR" dirty="0" err="1"/>
-              <a:t>Student</a:t>
-            </a:r>
-            <a:r>
-              <a:rPr lang="fr-FR" dirty="0"/>
-              <a:t>, en attente d’avoir une version plus complète</a:t>
-            </a:r>
-          </a:p>
-          <a:p>
-            <a:pPr marL="285750" indent="-285750">
-              <a:buFont typeface="Arial" panose="020B0604020202020204" pitchFamily="34" charset="0"/>
-              <a:buChar char="•"/>
-            </a:pPr>
-            <a:r>
-              <a:rPr lang="fr-FR" dirty="0"/>
-              <a:t>Prochainement:</a:t>
+              <a:rPr lang="fr-FR" sz="1400" dirty="0">
+                <a:latin typeface="Times New Roman" panose="02020603050405020304" pitchFamily="18" charset="0"/>
+                <a:cs typeface="Times New Roman" panose="02020603050405020304" pitchFamily="18" charset="0"/>
+              </a:rPr>
+              <a:t>Totalités des scénarios dans SCADE</a:t>
             </a:r>
           </a:p>
           <a:p>
@@ -6533,17 +6632,10 @@
               <a:buChar char="•"/>
             </a:pPr>
             <a:r>
-              <a:rPr lang="fr-FR" dirty="0"/>
-              <a:t>Totalités des scénarios dans SCADE</a:t>
-            </a:r>
-          </a:p>
-          <a:p>
-            <a:pPr marL="742950" lvl="1" indent="-285750">
-              <a:buFont typeface="Arial" panose="020B0604020202020204" pitchFamily="34" charset="0"/>
-              <a:buChar char="•"/>
-            </a:pPr>
-            <a:r>
-              <a:rPr lang="fr-FR" dirty="0"/>
+              <a:rPr lang="fr-FR" sz="1400" dirty="0">
+                <a:latin typeface="Times New Roman" panose="02020603050405020304" pitchFamily="18" charset="0"/>
+                <a:cs typeface="Times New Roman" panose="02020603050405020304" pitchFamily="18" charset="0"/>
+              </a:rPr>
               <a:t>Interface visuelle donnée par le simulateur, qui simulera les scénarios générés</a:t>
             </a:r>
           </a:p>
@@ -6623,7 +6715,7 @@
         </p:spPr>
         <p:txBody>
           <a:bodyPr vert="horz" lIns="91440" tIns="45720" rIns="91440" bIns="45720" rtlCol="0" anchor="b">
-            <a:normAutofit fontScale="90000"/>
+            <a:normAutofit fontScale="97500"/>
           </a:bodyPr>
           <a:lstStyle>
             <a:lvl1pPr algn="l" defTabSz="457200" rtl="0" eaLnBrk="1" latinLnBrk="0" hangingPunct="1">
@@ -6727,7 +6819,10 @@
           </a:lstStyle>
           <a:p>
             <a:r>
-              <a:rPr lang="fr-FR" dirty="0"/>
+              <a:rPr lang="fr-FR" dirty="0">
+                <a:latin typeface="Times New Roman" panose="02020603050405020304" pitchFamily="18" charset="0"/>
+                <a:cs typeface="Times New Roman" panose="02020603050405020304" pitchFamily="18" charset="0"/>
+              </a:rPr>
               <a:t>AVANCEMENT</a:t>
             </a:r>
           </a:p>

--- a/TERS2 Suivi.pptx
+++ b/TERS2 Suivi.pptx
@@ -6005,7 +6005,10 @@
           <a:lstStyle/>
           <a:p>
             <a:r>
-              <a:rPr lang="fr-FR" dirty="0"/>
+              <a:rPr lang="fr-FR" dirty="0">
+                <a:latin typeface="Times New Roman" panose="02020603050405020304" pitchFamily="18" charset="0"/>
+                <a:cs typeface="Times New Roman" panose="02020603050405020304" pitchFamily="18" charset="0"/>
+              </a:rPr>
               <a:t>TER 2021</a:t>
             </a:r>
           </a:p>
@@ -6040,7 +6043,10 @@
           <a:lstStyle/>
           <a:p>
             <a:r>
-              <a:rPr lang="fr-FR" dirty="0"/>
+              <a:rPr lang="fr-FR" dirty="0">
+                <a:latin typeface="Times New Roman" panose="02020603050405020304" pitchFamily="18" charset="0"/>
+                <a:cs typeface="Times New Roman" panose="02020603050405020304" pitchFamily="18" charset="0"/>
+              </a:rPr>
               <a:t>Génération de moniteur SCADE à partir de scénario de Safety pour le véhicule autonome</a:t>
             </a:r>
           </a:p>
@@ -6075,7 +6081,10 @@
           <a:lstStyle/>
           <a:p>
             <a:r>
-              <a:rPr lang="fr-FR" dirty="0"/>
+              <a:rPr lang="fr-FR" dirty="0">
+                <a:latin typeface="Times New Roman" panose="02020603050405020304" pitchFamily="18" charset="0"/>
+                <a:cs typeface="Times New Roman" panose="02020603050405020304" pitchFamily="18" charset="0"/>
+              </a:rPr>
               <a:t>Etudiants:</a:t>
             </a:r>
           </a:p>
@@ -6085,7 +6094,10 @@
               <a:buChar char="-"/>
             </a:pPr>
             <a:r>
-              <a:rPr lang="fr-FR" dirty="0"/>
+              <a:rPr lang="fr-FR" dirty="0">
+                <a:latin typeface="Times New Roman" panose="02020603050405020304" pitchFamily="18" charset="0"/>
+                <a:cs typeface="Times New Roman" panose="02020603050405020304" pitchFamily="18" charset="0"/>
+              </a:rPr>
               <a:t>MARINO Samuele</a:t>
             </a:r>
           </a:p>
@@ -6095,7 +6107,10 @@
               <a:buChar char="-"/>
             </a:pPr>
             <a:r>
-              <a:rPr lang="fr-FR" dirty="0"/>
+              <a:rPr lang="fr-FR" dirty="0">
+                <a:latin typeface="Times New Roman" panose="02020603050405020304" pitchFamily="18" charset="0"/>
+                <a:cs typeface="Times New Roman" panose="02020603050405020304" pitchFamily="18" charset="0"/>
+              </a:rPr>
               <a:t>LAUBRY Vincent</a:t>
             </a:r>
           </a:p>
@@ -6130,7 +6145,10 @@
           <a:lstStyle/>
           <a:p>
             <a:r>
-              <a:rPr lang="fr-FR" dirty="0"/>
+              <a:rPr lang="fr-FR" dirty="0">
+                <a:latin typeface="Times New Roman" panose="02020603050405020304" pitchFamily="18" charset="0"/>
+                <a:cs typeface="Times New Roman" panose="02020603050405020304" pitchFamily="18" charset="0"/>
+              </a:rPr>
               <a:t>Encadrants:</a:t>
             </a:r>
           </a:p>
@@ -6140,7 +6158,10 @@
               <a:buChar char="-"/>
             </a:pPr>
             <a:r>
-              <a:rPr lang="fr-FR" dirty="0"/>
+              <a:rPr lang="fr-FR" dirty="0">
+                <a:latin typeface="Times New Roman" panose="02020603050405020304" pitchFamily="18" charset="0"/>
+                <a:cs typeface="Times New Roman" panose="02020603050405020304" pitchFamily="18" charset="0"/>
+              </a:rPr>
               <a:t>MALLET Frédéric</a:t>
             </a:r>
           </a:p>
@@ -6150,7 +6171,10 @@
               <a:buChar char="-"/>
             </a:pPr>
             <a:r>
-              <a:rPr lang="fr-FR" dirty="0"/>
+              <a:rPr lang="fr-FR" dirty="0">
+                <a:latin typeface="Times New Roman" panose="02020603050405020304" pitchFamily="18" charset="0"/>
+                <a:cs typeface="Times New Roman" panose="02020603050405020304" pitchFamily="18" charset="0"/>
+              </a:rPr>
               <a:t>BOUALI Amar</a:t>
             </a:r>
           </a:p>
@@ -6262,7 +6286,10 @@
           <a:lstStyle/>
           <a:p>
             <a:r>
-              <a:rPr lang="fr-FR" dirty="0"/>
+              <a:rPr lang="fr-FR" dirty="0">
+                <a:latin typeface="Times New Roman" panose="02020603050405020304" pitchFamily="18" charset="0"/>
+                <a:cs typeface="Times New Roman" panose="02020603050405020304" pitchFamily="18" charset="0"/>
+              </a:rPr>
               <a:t>Contexte</a:t>
             </a:r>
           </a:p>
@@ -6286,13 +6313,13 @@
         </p:nvSpPr>
         <p:spPr>
           <a:xfrm>
-            <a:off x="1172296" y="1570977"/>
+            <a:off x="1172295" y="1570977"/>
             <a:ext cx="3549121" cy="3716046"/>
           </a:xfrm>
         </p:spPr>
         <p:txBody>
           <a:bodyPr>
-            <a:normAutofit fontScale="92500" lnSpcReduction="10000"/>
+            <a:normAutofit/>
           </a:bodyPr>
           <a:lstStyle/>
           <a:p>
@@ -6301,7 +6328,10 @@
               <a:buChar char="•"/>
             </a:pPr>
             <a:r>
-              <a:rPr lang="fr-FR" dirty="0"/>
+              <a:rPr lang="fr-FR" sz="1400" dirty="0">
+                <a:latin typeface="Times New Roman" panose="02020603050405020304" pitchFamily="18" charset="0"/>
+                <a:cs typeface="Times New Roman" panose="02020603050405020304" pitchFamily="18" charset="0"/>
+              </a:rPr>
               <a:t>En partant des scenarios de sureté établis par les ingénieurs Renault, réussir a les coder, les implémenter en logiciels de systèmes embarqués et de les simuler</a:t>
             </a:r>
           </a:p>
@@ -6311,7 +6341,10 @@
               <a:buChar char="•"/>
             </a:pPr>
             <a:r>
-              <a:rPr lang="fr-FR" dirty="0"/>
+              <a:rPr lang="fr-FR" sz="1400" dirty="0">
+                <a:latin typeface="Times New Roman" panose="02020603050405020304" pitchFamily="18" charset="0"/>
+                <a:cs typeface="Times New Roman" panose="02020603050405020304" pitchFamily="18" charset="0"/>
+              </a:rPr>
               <a:t>Utilisation du langage CCSL pour coder les scénarios</a:t>
             </a:r>
           </a:p>
@@ -6321,7 +6354,10 @@
               <a:buChar char="•"/>
             </a:pPr>
             <a:r>
-              <a:rPr lang="fr-FR" dirty="0"/>
+              <a:rPr lang="fr-FR" sz="1400" dirty="0">
+                <a:latin typeface="Times New Roman" panose="02020603050405020304" pitchFamily="18" charset="0"/>
+                <a:cs typeface="Times New Roman" panose="02020603050405020304" pitchFamily="18" charset="0"/>
+              </a:rPr>
               <a:t>Utilisation de l’environnement SCADE pour modéliser les scénarios générés par CCSL</a:t>
             </a:r>
           </a:p>
@@ -6331,7 +6367,10 @@
               <a:buChar char="•"/>
             </a:pPr>
             <a:r>
-              <a:rPr lang="fr-FR" dirty="0"/>
+              <a:rPr lang="fr-FR" sz="1400" dirty="0">
+                <a:latin typeface="Times New Roman" panose="02020603050405020304" pitchFamily="18" charset="0"/>
+                <a:cs typeface="Times New Roman" panose="02020603050405020304" pitchFamily="18" charset="0"/>
+              </a:rPr>
               <a:t>Simuler les modèles par LGSVL Simulator</a:t>
             </a:r>
           </a:p>
@@ -6341,7 +6380,10 @@
               <a:buChar char="•"/>
             </a:pPr>
             <a:r>
-              <a:rPr lang="fr-FR" dirty="0"/>
+              <a:rPr lang="fr-FR" sz="1400" dirty="0">
+                <a:latin typeface="Times New Roman" panose="02020603050405020304" pitchFamily="18" charset="0"/>
+                <a:cs typeface="Times New Roman" panose="02020603050405020304" pitchFamily="18" charset="0"/>
+              </a:rPr>
               <a:t>A priori, rendre le procès le plus automatique possible</a:t>
             </a:r>
           </a:p>
@@ -6444,13 +6486,13 @@
         </p:nvSpPr>
         <p:spPr>
           <a:xfrm>
-            <a:off x="1030575" y="1457563"/>
-            <a:ext cx="3549121" cy="3716046"/>
+            <a:off x="812481" y="1570977"/>
+            <a:ext cx="3985308" cy="3716046"/>
           </a:xfrm>
         </p:spPr>
         <p:txBody>
           <a:bodyPr>
-            <a:normAutofit fontScale="92500" lnSpcReduction="10000"/>
+            <a:noAutofit/>
           </a:bodyPr>
           <a:lstStyle/>
           <a:p>
@@ -6459,8 +6501,11 @@
               <a:buChar char="•"/>
             </a:pPr>
             <a:r>
-              <a:rPr lang="fr-FR" dirty="0"/>
-              <a:t>Donnée des versions CCSL aux scénarios décrits en Excel par les ingénieurs Renault</a:t>
+              <a:rPr lang="fr-FR" sz="1400" dirty="0">
+                <a:latin typeface="Times New Roman" panose="02020603050405020304" pitchFamily="18" charset="0"/>
+                <a:cs typeface="Times New Roman" panose="02020603050405020304" pitchFamily="18" charset="0"/>
+              </a:rPr>
+              <a:t>Conversion de scénarios décrits via Excel par les ingénieurs Renault, en CSSL</a:t>
             </a:r>
           </a:p>
           <a:p>
@@ -6469,7 +6514,10 @@
               <a:buChar char="•"/>
             </a:pPr>
             <a:r>
-              <a:rPr lang="fr-FR" dirty="0"/>
+              <a:rPr lang="fr-FR" sz="1400" dirty="0">
+                <a:latin typeface="Times New Roman" panose="02020603050405020304" pitchFamily="18" charset="0"/>
+                <a:cs typeface="Times New Roman" panose="02020603050405020304" pitchFamily="18" charset="0"/>
+              </a:rPr>
               <a:t>En attente de vérification, notre encadrant nous informera toute suite après cette réunion de suivi</a:t>
             </a:r>
           </a:p>
@@ -6479,7 +6527,10 @@
               <a:buChar char="•"/>
             </a:pPr>
             <a:r>
-              <a:rPr lang="fr-FR" dirty="0"/>
+              <a:rPr lang="fr-FR" sz="1400" dirty="0">
+                <a:latin typeface="Times New Roman" panose="02020603050405020304" pitchFamily="18" charset="0"/>
+                <a:cs typeface="Times New Roman" panose="02020603050405020304" pitchFamily="18" charset="0"/>
+              </a:rPr>
               <a:t>Implémentation operateurs qui serviront à la création des scénarios en SCADE</a:t>
             </a:r>
           </a:p>
@@ -6489,15 +6540,24 @@
               <a:buChar char="•"/>
             </a:pPr>
             <a:r>
-              <a:rPr lang="fr-FR" dirty="0"/>
+              <a:rPr lang="fr-FR" sz="1400" dirty="0">
+                <a:latin typeface="Times New Roman" panose="02020603050405020304" pitchFamily="18" charset="0"/>
+                <a:cs typeface="Times New Roman" panose="02020603050405020304" pitchFamily="18" charset="0"/>
+              </a:rPr>
               <a:t>Limites rencontrés par SCADE </a:t>
             </a:r>
             <a:r>
-              <a:rPr lang="fr-FR" dirty="0" err="1"/>
+              <a:rPr lang="fr-FR" sz="1400" dirty="0" err="1">
+                <a:latin typeface="Times New Roman" panose="02020603050405020304" pitchFamily="18" charset="0"/>
+                <a:cs typeface="Times New Roman" panose="02020603050405020304" pitchFamily="18" charset="0"/>
+              </a:rPr>
               <a:t>Student</a:t>
             </a:r>
             <a:r>
-              <a:rPr lang="fr-FR" dirty="0"/>
+              <a:rPr lang="fr-FR" sz="1400" dirty="0">
+                <a:latin typeface="Times New Roman" panose="02020603050405020304" pitchFamily="18" charset="0"/>
+                <a:cs typeface="Times New Roman" panose="02020603050405020304" pitchFamily="18" charset="0"/>
+              </a:rPr>
               <a:t>, en attente d’avoir une version plus complète</a:t>
             </a:r>
           </a:p>
@@ -6507,7 +6567,10 @@
               <a:buChar char="•"/>
             </a:pPr>
             <a:r>
-              <a:rPr lang="fr-FR" dirty="0"/>
+              <a:rPr lang="fr-FR" sz="1400" dirty="0">
+                <a:latin typeface="Times New Roman" panose="02020603050405020304" pitchFamily="18" charset="0"/>
+                <a:cs typeface="Times New Roman" panose="02020603050405020304" pitchFamily="18" charset="0"/>
+              </a:rPr>
               <a:t>Prochainement:</a:t>
             </a:r>
           </a:p>
@@ -6517,7 +6580,10 @@
               <a:buChar char="•"/>
             </a:pPr>
             <a:r>
-              <a:rPr lang="fr-FR" dirty="0"/>
+              <a:rPr lang="fr-FR" sz="1400" dirty="0">
+                <a:latin typeface="Times New Roman" panose="02020603050405020304" pitchFamily="18" charset="0"/>
+                <a:cs typeface="Times New Roman" panose="02020603050405020304" pitchFamily="18" charset="0"/>
+              </a:rPr>
               <a:t>Totalités des scénarios dans SCADE</a:t>
             </a:r>
           </a:p>
@@ -6527,7 +6593,10 @@
               <a:buChar char="•"/>
             </a:pPr>
             <a:r>
-              <a:rPr lang="fr-FR" dirty="0"/>
+              <a:rPr lang="fr-FR" sz="1400" dirty="0">
+                <a:latin typeface="Times New Roman" panose="02020603050405020304" pitchFamily="18" charset="0"/>
+                <a:cs typeface="Times New Roman" panose="02020603050405020304" pitchFamily="18" charset="0"/>
+              </a:rPr>
               <a:t>Interface visuelle donnée par le simulateur, qui simulera les scénarios générés</a:t>
             </a:r>
           </a:p>
@@ -6607,7 +6676,7 @@
         </p:spPr>
         <p:txBody>
           <a:bodyPr vert="horz" lIns="91440" tIns="45720" rIns="91440" bIns="45720" rtlCol="0" anchor="b">
-            <a:normAutofit fontScale="90000"/>
+            <a:normAutofit fontScale="97500"/>
           </a:bodyPr>
           <a:lstStyle>
             <a:lvl1pPr algn="l" defTabSz="457200" rtl="0" eaLnBrk="1" latinLnBrk="0" hangingPunct="1">
@@ -6711,7 +6780,10 @@
           </a:lstStyle>
           <a:p>
             <a:r>
-              <a:rPr lang="fr-FR" dirty="0"/>
+              <a:rPr lang="fr-FR" dirty="0">
+                <a:latin typeface="Times New Roman" panose="02020603050405020304" pitchFamily="18" charset="0"/>
+                <a:cs typeface="Times New Roman" panose="02020603050405020304" pitchFamily="18" charset="0"/>
+              </a:rPr>
               <a:t>AVANCEMENT</a:t>
             </a:r>
           </a:p>
